--- a/List of Hardware.pptx
+++ b/List of Hardware.pptx
@@ -6,6 +6,7 @@
   </p:sldMasterIdLst>
   <p:sldIdLst>
     <p:sldId id="256" r:id="rId2"/>
+    <p:sldId id="257" r:id="rId3"/>
   </p:sldIdLst>
   <p:sldSz cx="12192000" cy="6858000"/>
   <p:notesSz cx="6858000" cy="9144000"/>
@@ -261,7 +262,7 @@
           <a:p>
             <a:fld id="{4B8A5892-1AA6-4AEE-99E2-59CA45D73674}" type="datetimeFigureOut">
               <a:rPr lang="en-IE" smtClean="0"/>
-              <a:t>21/10/2023</a:t>
+              <a:t>22/10/2023</a:t>
             </a:fld>
             <a:endParaRPr lang="en-IE"/>
           </a:p>
@@ -461,7 +462,7 @@
           <a:p>
             <a:fld id="{4B8A5892-1AA6-4AEE-99E2-59CA45D73674}" type="datetimeFigureOut">
               <a:rPr lang="en-IE" smtClean="0"/>
-              <a:t>21/10/2023</a:t>
+              <a:t>22/10/2023</a:t>
             </a:fld>
             <a:endParaRPr lang="en-IE"/>
           </a:p>
@@ -671,7 +672,7 @@
           <a:p>
             <a:fld id="{4B8A5892-1AA6-4AEE-99E2-59CA45D73674}" type="datetimeFigureOut">
               <a:rPr lang="en-IE" smtClean="0"/>
-              <a:t>21/10/2023</a:t>
+              <a:t>22/10/2023</a:t>
             </a:fld>
             <a:endParaRPr lang="en-IE"/>
           </a:p>
@@ -871,7 +872,7 @@
           <a:p>
             <a:fld id="{4B8A5892-1AA6-4AEE-99E2-59CA45D73674}" type="datetimeFigureOut">
               <a:rPr lang="en-IE" smtClean="0"/>
-              <a:t>21/10/2023</a:t>
+              <a:t>22/10/2023</a:t>
             </a:fld>
             <a:endParaRPr lang="en-IE"/>
           </a:p>
@@ -1147,7 +1148,7 @@
           <a:p>
             <a:fld id="{4B8A5892-1AA6-4AEE-99E2-59CA45D73674}" type="datetimeFigureOut">
               <a:rPr lang="en-IE" smtClean="0"/>
-              <a:t>21/10/2023</a:t>
+              <a:t>22/10/2023</a:t>
             </a:fld>
             <a:endParaRPr lang="en-IE"/>
           </a:p>
@@ -1415,7 +1416,7 @@
           <a:p>
             <a:fld id="{4B8A5892-1AA6-4AEE-99E2-59CA45D73674}" type="datetimeFigureOut">
               <a:rPr lang="en-IE" smtClean="0"/>
-              <a:t>21/10/2023</a:t>
+              <a:t>22/10/2023</a:t>
             </a:fld>
             <a:endParaRPr lang="en-IE"/>
           </a:p>
@@ -1830,7 +1831,7 @@
           <a:p>
             <a:fld id="{4B8A5892-1AA6-4AEE-99E2-59CA45D73674}" type="datetimeFigureOut">
               <a:rPr lang="en-IE" smtClean="0"/>
-              <a:t>21/10/2023</a:t>
+              <a:t>22/10/2023</a:t>
             </a:fld>
             <a:endParaRPr lang="en-IE"/>
           </a:p>
@@ -1972,7 +1973,7 @@
           <a:p>
             <a:fld id="{4B8A5892-1AA6-4AEE-99E2-59CA45D73674}" type="datetimeFigureOut">
               <a:rPr lang="en-IE" smtClean="0"/>
-              <a:t>21/10/2023</a:t>
+              <a:t>22/10/2023</a:t>
             </a:fld>
             <a:endParaRPr lang="en-IE"/>
           </a:p>
@@ -2085,7 +2086,7 @@
           <a:p>
             <a:fld id="{4B8A5892-1AA6-4AEE-99E2-59CA45D73674}" type="datetimeFigureOut">
               <a:rPr lang="en-IE" smtClean="0"/>
-              <a:t>21/10/2023</a:t>
+              <a:t>22/10/2023</a:t>
             </a:fld>
             <a:endParaRPr lang="en-IE"/>
           </a:p>
@@ -2398,7 +2399,7 @@
           <a:p>
             <a:fld id="{4B8A5892-1AA6-4AEE-99E2-59CA45D73674}" type="datetimeFigureOut">
               <a:rPr lang="en-IE" smtClean="0"/>
-              <a:t>21/10/2023</a:t>
+              <a:t>22/10/2023</a:t>
             </a:fld>
             <a:endParaRPr lang="en-IE"/>
           </a:p>
@@ -2687,7 +2688,7 @@
           <a:p>
             <a:fld id="{4B8A5892-1AA6-4AEE-99E2-59CA45D73674}" type="datetimeFigureOut">
               <a:rPr lang="en-IE" smtClean="0"/>
-              <a:t>21/10/2023</a:t>
+              <a:t>22/10/2023</a:t>
             </a:fld>
             <a:endParaRPr lang="en-IE"/>
           </a:p>
@@ -2930,7 +2931,7 @@
           <a:p>
             <a:fld id="{4B8A5892-1AA6-4AEE-99E2-59CA45D73674}" type="datetimeFigureOut">
               <a:rPr lang="en-IE" smtClean="0"/>
-              <a:t>21/10/2023</a:t>
+              <a:t>22/10/2023</a:t>
             </a:fld>
             <a:endParaRPr lang="en-IE"/>
           </a:p>
@@ -3422,13 +3423,8 @@
           <a:p>
             <a:r>
               <a:rPr lang="en-IE" dirty="0"/>
-              <a:t>Female to </a:t>
-            </a:r>
-            <a:r>
-              <a:rPr lang="en-IE"/>
-              <a:t>Female Cables</a:t>
-            </a:r>
-            <a:endParaRPr lang="en-IE" dirty="0"/>
+              <a:t>Female to Female Cables</a:t>
+            </a:r>
           </a:p>
         </p:txBody>
       </p:sp>
@@ -3436,6 +3432,92 @@
     <p:extLst>
       <p:ext uri="{BB962C8B-B14F-4D97-AF65-F5344CB8AC3E}">
         <p14:creationId xmlns:p14="http://schemas.microsoft.com/office/powerpoint/2010/main" val="2826197371"/>
+      </p:ext>
+    </p:extLst>
+  </p:cSld>
+  <p:clrMapOvr>
+    <a:masterClrMapping/>
+  </p:clrMapOvr>
+</p:sld>
+</file>
+
+<file path=ppt/slides/slide2.xml><?xml version="1.0" encoding="utf-8"?>
+<p:sld xmlns:a="http://schemas.openxmlformats.org/drawingml/2006/main" xmlns:r="http://schemas.openxmlformats.org/officeDocument/2006/relationships" xmlns:p="http://schemas.openxmlformats.org/presentationml/2006/main">
+  <p:cSld>
+    <p:spTree>
+      <p:nvGrpSpPr>
+        <p:cNvPr id="1" name=""/>
+        <p:cNvGrpSpPr/>
+        <p:nvPr/>
+      </p:nvGrpSpPr>
+      <p:grpSpPr>
+        <a:xfrm>
+          <a:off x="0" y="0"/>
+          <a:ext cx="0" cy="0"/>
+          <a:chOff x="0" y="0"/>
+          <a:chExt cx="0" cy="0"/>
+        </a:xfrm>
+      </p:grpSpPr>
+      <p:sp>
+        <p:nvSpPr>
+          <p:cNvPr id="2" name="Title 1">
+            <a:extLst>
+              <a:ext uri="{FF2B5EF4-FFF2-40B4-BE49-F238E27FC236}">
+                <a16:creationId xmlns:a16="http://schemas.microsoft.com/office/drawing/2014/main" id="{78B85200-41EE-9011-5F9D-8C61C1884813}"/>
+              </a:ext>
+            </a:extLst>
+          </p:cNvPr>
+          <p:cNvSpPr>
+            <a:spLocks noGrp="1"/>
+          </p:cNvSpPr>
+          <p:nvPr>
+            <p:ph type="title"/>
+          </p:nvPr>
+        </p:nvSpPr>
+        <p:spPr/>
+        <p:txBody>
+          <a:bodyPr/>
+          <a:lstStyle/>
+          <a:p>
+            <a:r>
+              <a:rPr lang="en-IE" dirty="0"/>
+              <a:t>Powering the Device</a:t>
+            </a:r>
+          </a:p>
+        </p:txBody>
+      </p:sp>
+      <p:sp>
+        <p:nvSpPr>
+          <p:cNvPr id="3" name="Content Placeholder 2">
+            <a:extLst>
+              <a:ext uri="{FF2B5EF4-FFF2-40B4-BE49-F238E27FC236}">
+                <a16:creationId xmlns:a16="http://schemas.microsoft.com/office/drawing/2014/main" id="{B891EF61-F88D-10E3-943B-FC72FC0A9563}"/>
+              </a:ext>
+            </a:extLst>
+          </p:cNvPr>
+          <p:cNvSpPr>
+            <a:spLocks noGrp="1"/>
+          </p:cNvSpPr>
+          <p:nvPr>
+            <p:ph idx="1"/>
+          </p:nvPr>
+        </p:nvSpPr>
+        <p:spPr/>
+        <p:txBody>
+          <a:bodyPr/>
+          <a:lstStyle/>
+          <a:p>
+            <a:r>
+              <a:rPr lang="en-IE" dirty="0"/>
+              <a:t>The device will be plugged into the wall</a:t>
+            </a:r>
+          </a:p>
+        </p:txBody>
+      </p:sp>
+    </p:spTree>
+    <p:extLst>
+      <p:ext uri="{BB962C8B-B14F-4D97-AF65-F5344CB8AC3E}">
+        <p14:creationId xmlns:p14="http://schemas.microsoft.com/office/powerpoint/2010/main" val="1863438459"/>
       </p:ext>
     </p:extLst>
   </p:cSld>

--- a/List of Hardware.pptx
+++ b/List of Hardware.pptx
@@ -262,7 +262,7 @@
           <a:p>
             <a:fld id="{4B8A5892-1AA6-4AEE-99E2-59CA45D73674}" type="datetimeFigureOut">
               <a:rPr lang="en-IE" smtClean="0"/>
-              <a:t>22/10/2023</a:t>
+              <a:t>24/10/2023</a:t>
             </a:fld>
             <a:endParaRPr lang="en-IE"/>
           </a:p>
@@ -462,7 +462,7 @@
           <a:p>
             <a:fld id="{4B8A5892-1AA6-4AEE-99E2-59CA45D73674}" type="datetimeFigureOut">
               <a:rPr lang="en-IE" smtClean="0"/>
-              <a:t>22/10/2023</a:t>
+              <a:t>24/10/2023</a:t>
             </a:fld>
             <a:endParaRPr lang="en-IE"/>
           </a:p>
@@ -672,7 +672,7 @@
           <a:p>
             <a:fld id="{4B8A5892-1AA6-4AEE-99E2-59CA45D73674}" type="datetimeFigureOut">
               <a:rPr lang="en-IE" smtClean="0"/>
-              <a:t>22/10/2023</a:t>
+              <a:t>24/10/2023</a:t>
             </a:fld>
             <a:endParaRPr lang="en-IE"/>
           </a:p>
@@ -872,7 +872,7 @@
           <a:p>
             <a:fld id="{4B8A5892-1AA6-4AEE-99E2-59CA45D73674}" type="datetimeFigureOut">
               <a:rPr lang="en-IE" smtClean="0"/>
-              <a:t>22/10/2023</a:t>
+              <a:t>24/10/2023</a:t>
             </a:fld>
             <a:endParaRPr lang="en-IE"/>
           </a:p>
@@ -1148,7 +1148,7 @@
           <a:p>
             <a:fld id="{4B8A5892-1AA6-4AEE-99E2-59CA45D73674}" type="datetimeFigureOut">
               <a:rPr lang="en-IE" smtClean="0"/>
-              <a:t>22/10/2023</a:t>
+              <a:t>24/10/2023</a:t>
             </a:fld>
             <a:endParaRPr lang="en-IE"/>
           </a:p>
@@ -1416,7 +1416,7 @@
           <a:p>
             <a:fld id="{4B8A5892-1AA6-4AEE-99E2-59CA45D73674}" type="datetimeFigureOut">
               <a:rPr lang="en-IE" smtClean="0"/>
-              <a:t>22/10/2023</a:t>
+              <a:t>24/10/2023</a:t>
             </a:fld>
             <a:endParaRPr lang="en-IE"/>
           </a:p>
@@ -1831,7 +1831,7 @@
           <a:p>
             <a:fld id="{4B8A5892-1AA6-4AEE-99E2-59CA45D73674}" type="datetimeFigureOut">
               <a:rPr lang="en-IE" smtClean="0"/>
-              <a:t>22/10/2023</a:t>
+              <a:t>24/10/2023</a:t>
             </a:fld>
             <a:endParaRPr lang="en-IE"/>
           </a:p>
@@ -1973,7 +1973,7 @@
           <a:p>
             <a:fld id="{4B8A5892-1AA6-4AEE-99E2-59CA45D73674}" type="datetimeFigureOut">
               <a:rPr lang="en-IE" smtClean="0"/>
-              <a:t>22/10/2023</a:t>
+              <a:t>24/10/2023</a:t>
             </a:fld>
             <a:endParaRPr lang="en-IE"/>
           </a:p>
@@ -2086,7 +2086,7 @@
           <a:p>
             <a:fld id="{4B8A5892-1AA6-4AEE-99E2-59CA45D73674}" type="datetimeFigureOut">
               <a:rPr lang="en-IE" smtClean="0"/>
-              <a:t>22/10/2023</a:t>
+              <a:t>24/10/2023</a:t>
             </a:fld>
             <a:endParaRPr lang="en-IE"/>
           </a:p>
@@ -2399,7 +2399,7 @@
           <a:p>
             <a:fld id="{4B8A5892-1AA6-4AEE-99E2-59CA45D73674}" type="datetimeFigureOut">
               <a:rPr lang="en-IE" smtClean="0"/>
-              <a:t>22/10/2023</a:t>
+              <a:t>24/10/2023</a:t>
             </a:fld>
             <a:endParaRPr lang="en-IE"/>
           </a:p>
@@ -2688,7 +2688,7 @@
           <a:p>
             <a:fld id="{4B8A5892-1AA6-4AEE-99E2-59CA45D73674}" type="datetimeFigureOut">
               <a:rPr lang="en-IE" smtClean="0"/>
-              <a:t>22/10/2023</a:t>
+              <a:t>24/10/2023</a:t>
             </a:fld>
             <a:endParaRPr lang="en-IE"/>
           </a:p>
@@ -2931,7 +2931,7 @@
           <a:p>
             <a:fld id="{4B8A5892-1AA6-4AEE-99E2-59CA45D73674}" type="datetimeFigureOut">
               <a:rPr lang="en-IE" smtClean="0"/>
-              <a:t>22/10/2023</a:t>
+              <a:t>24/10/2023</a:t>
             </a:fld>
             <a:endParaRPr lang="en-IE"/>
           </a:p>
@@ -3509,7 +3509,13 @@
           <a:p>
             <a:r>
               <a:rPr lang="en-IE" dirty="0"/>
-              <a:t>The device will be plugged into the wall</a:t>
+              <a:t>The device will be plugged into the wall.</a:t>
+            </a:r>
+          </a:p>
+          <a:p>
+            <a:r>
+              <a:rPr lang="en-IE" dirty="0"/>
+              <a:t>The device will use an Uninterruptible Power Supply (UPS) to handle loss of power. This will require 2 rechargeable batteries.</a:t>
             </a:r>
           </a:p>
         </p:txBody>

--- a/List of Hardware.pptx
+++ b/List of Hardware.pptx
@@ -6,7 +6,8 @@
   </p:sldMasterIdLst>
   <p:sldIdLst>
     <p:sldId id="256" r:id="rId2"/>
-    <p:sldId id="257" r:id="rId3"/>
+    <p:sldId id="258" r:id="rId3"/>
+    <p:sldId id="257" r:id="rId4"/>
   </p:sldIdLst>
   <p:sldSz cx="12192000" cy="6858000"/>
   <p:notesSz cx="6858000" cy="9144000"/>
@@ -262,7 +263,7 @@
           <a:p>
             <a:fld id="{4B8A5892-1AA6-4AEE-99E2-59CA45D73674}" type="datetimeFigureOut">
               <a:rPr lang="en-IE" smtClean="0"/>
-              <a:t>24/10/2023</a:t>
+              <a:t>27/10/2023</a:t>
             </a:fld>
             <a:endParaRPr lang="en-IE"/>
           </a:p>
@@ -462,7 +463,7 @@
           <a:p>
             <a:fld id="{4B8A5892-1AA6-4AEE-99E2-59CA45D73674}" type="datetimeFigureOut">
               <a:rPr lang="en-IE" smtClean="0"/>
-              <a:t>24/10/2023</a:t>
+              <a:t>27/10/2023</a:t>
             </a:fld>
             <a:endParaRPr lang="en-IE"/>
           </a:p>
@@ -672,7 +673,7 @@
           <a:p>
             <a:fld id="{4B8A5892-1AA6-4AEE-99E2-59CA45D73674}" type="datetimeFigureOut">
               <a:rPr lang="en-IE" smtClean="0"/>
-              <a:t>24/10/2023</a:t>
+              <a:t>27/10/2023</a:t>
             </a:fld>
             <a:endParaRPr lang="en-IE"/>
           </a:p>
@@ -872,7 +873,7 @@
           <a:p>
             <a:fld id="{4B8A5892-1AA6-4AEE-99E2-59CA45D73674}" type="datetimeFigureOut">
               <a:rPr lang="en-IE" smtClean="0"/>
-              <a:t>24/10/2023</a:t>
+              <a:t>27/10/2023</a:t>
             </a:fld>
             <a:endParaRPr lang="en-IE"/>
           </a:p>
@@ -1148,7 +1149,7 @@
           <a:p>
             <a:fld id="{4B8A5892-1AA6-4AEE-99E2-59CA45D73674}" type="datetimeFigureOut">
               <a:rPr lang="en-IE" smtClean="0"/>
-              <a:t>24/10/2023</a:t>
+              <a:t>27/10/2023</a:t>
             </a:fld>
             <a:endParaRPr lang="en-IE"/>
           </a:p>
@@ -1416,7 +1417,7 @@
           <a:p>
             <a:fld id="{4B8A5892-1AA6-4AEE-99E2-59CA45D73674}" type="datetimeFigureOut">
               <a:rPr lang="en-IE" smtClean="0"/>
-              <a:t>24/10/2023</a:t>
+              <a:t>27/10/2023</a:t>
             </a:fld>
             <a:endParaRPr lang="en-IE"/>
           </a:p>
@@ -1831,7 +1832,7 @@
           <a:p>
             <a:fld id="{4B8A5892-1AA6-4AEE-99E2-59CA45D73674}" type="datetimeFigureOut">
               <a:rPr lang="en-IE" smtClean="0"/>
-              <a:t>24/10/2023</a:t>
+              <a:t>27/10/2023</a:t>
             </a:fld>
             <a:endParaRPr lang="en-IE"/>
           </a:p>
@@ -1973,7 +1974,7 @@
           <a:p>
             <a:fld id="{4B8A5892-1AA6-4AEE-99E2-59CA45D73674}" type="datetimeFigureOut">
               <a:rPr lang="en-IE" smtClean="0"/>
-              <a:t>24/10/2023</a:t>
+              <a:t>27/10/2023</a:t>
             </a:fld>
             <a:endParaRPr lang="en-IE"/>
           </a:p>
@@ -2086,7 +2087,7 @@
           <a:p>
             <a:fld id="{4B8A5892-1AA6-4AEE-99E2-59CA45D73674}" type="datetimeFigureOut">
               <a:rPr lang="en-IE" smtClean="0"/>
-              <a:t>24/10/2023</a:t>
+              <a:t>27/10/2023</a:t>
             </a:fld>
             <a:endParaRPr lang="en-IE"/>
           </a:p>
@@ -2399,7 +2400,7 @@
           <a:p>
             <a:fld id="{4B8A5892-1AA6-4AEE-99E2-59CA45D73674}" type="datetimeFigureOut">
               <a:rPr lang="en-IE" smtClean="0"/>
-              <a:t>24/10/2023</a:t>
+              <a:t>27/10/2023</a:t>
             </a:fld>
             <a:endParaRPr lang="en-IE"/>
           </a:p>
@@ -2688,7 +2689,7 @@
           <a:p>
             <a:fld id="{4B8A5892-1AA6-4AEE-99E2-59CA45D73674}" type="datetimeFigureOut">
               <a:rPr lang="en-IE" smtClean="0"/>
-              <a:t>24/10/2023</a:t>
+              <a:t>27/10/2023</a:t>
             </a:fld>
             <a:endParaRPr lang="en-IE"/>
           </a:p>
@@ -2931,7 +2932,7 @@
           <a:p>
             <a:fld id="{4B8A5892-1AA6-4AEE-99E2-59CA45D73674}" type="datetimeFigureOut">
               <a:rPr lang="en-IE" smtClean="0"/>
-              <a:t>24/10/2023</a:t>
+              <a:t>27/10/2023</a:t>
             </a:fld>
             <a:endParaRPr lang="en-IE"/>
           </a:p>
@@ -3463,6 +3464,99 @@
           <p:cNvPr id="2" name="Title 1">
             <a:extLst>
               <a:ext uri="{FF2B5EF4-FFF2-40B4-BE49-F238E27FC236}">
+                <a16:creationId xmlns:a16="http://schemas.microsoft.com/office/drawing/2014/main" id="{994F05C5-D907-9A03-6508-55C79881B218}"/>
+              </a:ext>
+            </a:extLst>
+          </p:cNvPr>
+          <p:cNvSpPr>
+            <a:spLocks noGrp="1"/>
+          </p:cNvSpPr>
+          <p:nvPr>
+            <p:ph type="title"/>
+          </p:nvPr>
+        </p:nvSpPr>
+        <p:spPr/>
+        <p:txBody>
+          <a:bodyPr/>
+          <a:lstStyle/>
+          <a:p>
+            <a:r>
+              <a:rPr lang="en-IE" dirty="0"/>
+              <a:t>Fritzing Diagram</a:t>
+            </a:r>
+          </a:p>
+        </p:txBody>
+      </p:sp>
+      <p:pic>
+        <p:nvPicPr>
+          <p:cNvPr id="7" name="Content Placeholder 6" descr="Fritzing Diagram">
+            <a:extLst>
+              <a:ext uri="{FF2B5EF4-FFF2-40B4-BE49-F238E27FC236}">
+                <a16:creationId xmlns:a16="http://schemas.microsoft.com/office/drawing/2014/main" id="{E202F62E-F210-7878-9594-81783510D08D}"/>
+              </a:ext>
+            </a:extLst>
+          </p:cNvPr>
+          <p:cNvPicPr>
+            <a:picLocks noGrp="1" noChangeAspect="1"/>
+          </p:cNvPicPr>
+          <p:nvPr>
+            <p:ph idx="1"/>
+          </p:nvPr>
+        </p:nvPicPr>
+        <p:blipFill>
+          <a:blip r:embed="rId2">
+            <a:extLst>
+              <a:ext uri="{28A0092B-C50C-407E-A947-70E740481C1C}">
+                <a14:useLocalDpi xmlns:a14="http://schemas.microsoft.com/office/drawing/2010/main" val="0"/>
+              </a:ext>
+            </a:extLst>
+          </a:blip>
+          <a:stretch>
+            <a:fillRect/>
+          </a:stretch>
+        </p:blipFill>
+        <p:spPr>
+          <a:xfrm>
+            <a:off x="2453324" y="2157094"/>
+            <a:ext cx="7285352" cy="3688400"/>
+          </a:xfrm>
+        </p:spPr>
+      </p:pic>
+    </p:spTree>
+    <p:extLst>
+      <p:ext uri="{BB962C8B-B14F-4D97-AF65-F5344CB8AC3E}">
+        <p14:creationId xmlns:p14="http://schemas.microsoft.com/office/powerpoint/2010/main" val="1982667111"/>
+      </p:ext>
+    </p:extLst>
+  </p:cSld>
+  <p:clrMapOvr>
+    <a:masterClrMapping/>
+  </p:clrMapOvr>
+</p:sld>
+</file>
+
+<file path=ppt/slides/slide3.xml><?xml version="1.0" encoding="utf-8"?>
+<p:sld xmlns:a="http://schemas.openxmlformats.org/drawingml/2006/main" xmlns:r="http://schemas.openxmlformats.org/officeDocument/2006/relationships" xmlns:p="http://schemas.openxmlformats.org/presentationml/2006/main">
+  <p:cSld>
+    <p:spTree>
+      <p:nvGrpSpPr>
+        <p:cNvPr id="1" name=""/>
+        <p:cNvGrpSpPr/>
+        <p:nvPr/>
+      </p:nvGrpSpPr>
+      <p:grpSpPr>
+        <a:xfrm>
+          <a:off x="0" y="0"/>
+          <a:ext cx="0" cy="0"/>
+          <a:chOff x="0" y="0"/>
+          <a:chExt cx="0" cy="0"/>
+        </a:xfrm>
+      </p:grpSpPr>
+      <p:sp>
+        <p:nvSpPr>
+          <p:cNvPr id="2" name="Title 1">
+            <a:extLst>
+              <a:ext uri="{FF2B5EF4-FFF2-40B4-BE49-F238E27FC236}">
                 <a16:creationId xmlns:a16="http://schemas.microsoft.com/office/drawing/2014/main" id="{78B85200-41EE-9011-5F9D-8C61C1884813}"/>
               </a:ext>
             </a:extLst>

--- a/List of Hardware.pptx
+++ b/List of Hardware.pptx
@@ -263,7 +263,7 @@
           <a:p>
             <a:fld id="{4B8A5892-1AA6-4AEE-99E2-59CA45D73674}" type="datetimeFigureOut">
               <a:rPr lang="en-IE" smtClean="0"/>
-              <a:t>27/10/2023</a:t>
+              <a:t>29/10/2023</a:t>
             </a:fld>
             <a:endParaRPr lang="en-IE"/>
           </a:p>
@@ -463,7 +463,7 @@
           <a:p>
             <a:fld id="{4B8A5892-1AA6-4AEE-99E2-59CA45D73674}" type="datetimeFigureOut">
               <a:rPr lang="en-IE" smtClean="0"/>
-              <a:t>27/10/2023</a:t>
+              <a:t>29/10/2023</a:t>
             </a:fld>
             <a:endParaRPr lang="en-IE"/>
           </a:p>
@@ -673,7 +673,7 @@
           <a:p>
             <a:fld id="{4B8A5892-1AA6-4AEE-99E2-59CA45D73674}" type="datetimeFigureOut">
               <a:rPr lang="en-IE" smtClean="0"/>
-              <a:t>27/10/2023</a:t>
+              <a:t>29/10/2023</a:t>
             </a:fld>
             <a:endParaRPr lang="en-IE"/>
           </a:p>
@@ -873,7 +873,7 @@
           <a:p>
             <a:fld id="{4B8A5892-1AA6-4AEE-99E2-59CA45D73674}" type="datetimeFigureOut">
               <a:rPr lang="en-IE" smtClean="0"/>
-              <a:t>27/10/2023</a:t>
+              <a:t>29/10/2023</a:t>
             </a:fld>
             <a:endParaRPr lang="en-IE"/>
           </a:p>
@@ -1149,7 +1149,7 @@
           <a:p>
             <a:fld id="{4B8A5892-1AA6-4AEE-99E2-59CA45D73674}" type="datetimeFigureOut">
               <a:rPr lang="en-IE" smtClean="0"/>
-              <a:t>27/10/2023</a:t>
+              <a:t>29/10/2023</a:t>
             </a:fld>
             <a:endParaRPr lang="en-IE"/>
           </a:p>
@@ -1417,7 +1417,7 @@
           <a:p>
             <a:fld id="{4B8A5892-1AA6-4AEE-99E2-59CA45D73674}" type="datetimeFigureOut">
               <a:rPr lang="en-IE" smtClean="0"/>
-              <a:t>27/10/2023</a:t>
+              <a:t>29/10/2023</a:t>
             </a:fld>
             <a:endParaRPr lang="en-IE"/>
           </a:p>
@@ -1832,7 +1832,7 @@
           <a:p>
             <a:fld id="{4B8A5892-1AA6-4AEE-99E2-59CA45D73674}" type="datetimeFigureOut">
               <a:rPr lang="en-IE" smtClean="0"/>
-              <a:t>27/10/2023</a:t>
+              <a:t>29/10/2023</a:t>
             </a:fld>
             <a:endParaRPr lang="en-IE"/>
           </a:p>
@@ -1974,7 +1974,7 @@
           <a:p>
             <a:fld id="{4B8A5892-1AA6-4AEE-99E2-59CA45D73674}" type="datetimeFigureOut">
               <a:rPr lang="en-IE" smtClean="0"/>
-              <a:t>27/10/2023</a:t>
+              <a:t>29/10/2023</a:t>
             </a:fld>
             <a:endParaRPr lang="en-IE"/>
           </a:p>
@@ -2087,7 +2087,7 @@
           <a:p>
             <a:fld id="{4B8A5892-1AA6-4AEE-99E2-59CA45D73674}" type="datetimeFigureOut">
               <a:rPr lang="en-IE" smtClean="0"/>
-              <a:t>27/10/2023</a:t>
+              <a:t>29/10/2023</a:t>
             </a:fld>
             <a:endParaRPr lang="en-IE"/>
           </a:p>
@@ -2400,7 +2400,7 @@
           <a:p>
             <a:fld id="{4B8A5892-1AA6-4AEE-99E2-59CA45D73674}" type="datetimeFigureOut">
               <a:rPr lang="en-IE" smtClean="0"/>
-              <a:t>27/10/2023</a:t>
+              <a:t>29/10/2023</a:t>
             </a:fld>
             <a:endParaRPr lang="en-IE"/>
           </a:p>
@@ -2689,7 +2689,7 @@
           <a:p>
             <a:fld id="{4B8A5892-1AA6-4AEE-99E2-59CA45D73674}" type="datetimeFigureOut">
               <a:rPr lang="en-IE" smtClean="0"/>
-              <a:t>27/10/2023</a:t>
+              <a:t>29/10/2023</a:t>
             </a:fld>
             <a:endParaRPr lang="en-IE"/>
           </a:p>
@@ -2932,7 +2932,7 @@
           <a:p>
             <a:fld id="{4B8A5892-1AA6-4AEE-99E2-59CA45D73674}" type="datetimeFigureOut">
               <a:rPr lang="en-IE" smtClean="0"/>
-              <a:t>27/10/2023</a:t>
+              <a:t>29/10/2023</a:t>
             </a:fld>
             <a:endParaRPr lang="en-IE"/>
           </a:p>
@@ -3489,10 +3489,10 @@
       </p:sp>
       <p:pic>
         <p:nvPicPr>
-          <p:cNvPr id="7" name="Content Placeholder 6" descr="Fritzing Diagram">
-            <a:extLst>
-              <a:ext uri="{FF2B5EF4-FFF2-40B4-BE49-F238E27FC236}">
-                <a16:creationId xmlns:a16="http://schemas.microsoft.com/office/drawing/2014/main" id="{E202F62E-F210-7878-9594-81783510D08D}"/>
+          <p:cNvPr id="6" name="Content Placeholder 5">
+            <a:extLst>
+              <a:ext uri="{FF2B5EF4-FFF2-40B4-BE49-F238E27FC236}">
+                <a16:creationId xmlns:a16="http://schemas.microsoft.com/office/drawing/2014/main" id="{6BE5F963-383F-6584-D05C-BDEB47F1C7C2}"/>
               </a:ext>
             </a:extLst>
           </p:cNvPr>
@@ -3517,8 +3517,8 @@
         </p:blipFill>
         <p:spPr>
           <a:xfrm>
-            <a:off x="2453324" y="2157094"/>
-            <a:ext cx="7285352" cy="3688400"/>
+            <a:off x="1874154" y="1958957"/>
+            <a:ext cx="8443692" cy="4084674"/>
           </a:xfrm>
         </p:spPr>
       </p:pic>
